--- a/smart-contracts-evolution.pptx
+++ b/smart-contracts-evolution.pptx
@@ -2944,7 +2944,7 @@
         <p:spPr>
           <a:xfrm>
             <a:off x="733743" y="1994535"/>
-            <a:ext cx="10723245" cy="1938020"/>
+            <a:ext cx="10723245" cy="1014730"/>
           </a:xfrm>
           <a:prstGeom prst="rect">
             <a:avLst/>
@@ -2969,26 +2969,6 @@
                 <a:ea typeface="SimSun" panose="02010600030101010101" pitchFamily="2" charset="-122"/>
               </a:rPr>
               <a:t>Evolution of Smart Contracts</a:t>
-            </a:r>
-            <a:endParaRPr lang="en-GB" altLang="en-US" sz="6000" b="1" dirty="0">
-              <a:solidFill>
-                <a:schemeClr val="bg1"/>
-              </a:solidFill>
-              <a:latin typeface="Arial" panose="020B0604020202020204" pitchFamily="34" charset="0"/>
-              <a:ea typeface="SimSun" panose="02010600030101010101" pitchFamily="2" charset="-122"/>
-            </a:endParaRPr>
-          </a:p>
-          <a:p>
-            <a:pPr algn="ctr"/>
-            <a:r>
-              <a:rPr lang="en-GB" altLang="en-US" sz="6000" b="1" dirty="0">
-                <a:solidFill>
-                  <a:schemeClr val="bg1"/>
-                </a:solidFill>
-                <a:latin typeface="Arial" panose="020B0604020202020204" pitchFamily="34" charset="0"/>
-                <a:ea typeface="SimSun" panose="02010600030101010101" pitchFamily="2" charset="-122"/>
-              </a:rPr>
-              <a:t>Languages</a:t>
             </a:r>
             <a:endParaRPr lang="en-GB" altLang="en-US" sz="6000" b="1" dirty="0">
               <a:solidFill>
@@ -3238,7 +3218,7 @@
                   <a:schemeClr val="bg1"/>
                 </a:solidFill>
               </a:rPr>
-              <a:t>Safety - Types, Authorization and by design</a:t>
+              <a:t>Safety - Types, Authorisation and by design</a:t>
             </a:r>
             <a:endParaRPr lang="en-GB" altLang="en-US">
               <a:solidFill>
@@ -5302,7 +5282,7 @@
                 <a:cs typeface="+mn-ea"/>
                 <a:sym typeface="+mn-lt"/>
               </a:rPr>
-              <a:t>Authorization/Access Rules - “Badges”</a:t>
+              <a:t>Authorisation/Access Rules - “Badges”</a:t>
             </a:r>
             <a:endParaRPr lang="en-GB" sz="3200" dirty="0">
               <a:solidFill>
@@ -5502,7 +5482,7 @@
                 <a:cs typeface="+mn-ea"/>
                 <a:sym typeface="+mn-lt"/>
               </a:rPr>
-              <a:t>Authorization Zone</a:t>
+              <a:t>Authorisation Zone</a:t>
             </a:r>
             <a:endParaRPr lang="en-GB" altLang="en-US" dirty="0">
               <a:solidFill>
@@ -5530,7 +5510,7 @@
                 <a:cs typeface="+mn-ea"/>
                 <a:sym typeface="+mn-lt"/>
               </a:rPr>
-              <a:t>Implicit authorization</a:t>
+              <a:t>Implicit authorisation</a:t>
             </a:r>
             <a:endParaRPr lang="en-GB" altLang="en-US" dirty="0">
               <a:solidFill>
@@ -5602,7 +5582,7 @@
                 <a:cs typeface="+mn-ea"/>
                 <a:sym typeface="+mn-lt"/>
               </a:rPr>
-              <a:t>Explicit authorization</a:t>
+              <a:t>Explicit authorisation</a:t>
             </a:r>
             <a:endParaRPr lang="en-GB" altLang="en-US" dirty="0">
               <a:solidFill>
@@ -6199,7 +6179,7 @@
         <p:spPr>
           <a:xfrm>
             <a:off x="2712720" y="4671060"/>
-            <a:ext cx="3269615" cy="368300"/>
+            <a:ext cx="2713990" cy="368300"/>
           </a:xfrm>
           <a:prstGeom prst="rect">
             <a:avLst/>
@@ -6236,7 +6216,7 @@
         <p:spPr>
           <a:xfrm>
             <a:off x="6060440" y="4671060"/>
-            <a:ext cx="3269615" cy="368300"/>
+            <a:ext cx="3011170" cy="368300"/>
           </a:xfrm>
           <a:prstGeom prst="rect">
             <a:avLst/>
@@ -6320,8 +6300,8 @@
         </p:nvSpPr>
         <p:spPr>
           <a:xfrm>
-            <a:off x="5376545" y="1956435"/>
-            <a:ext cx="1366520" cy="306705"/>
+            <a:off x="3446780" y="1946275"/>
+            <a:ext cx="1366520" cy="368300"/>
           </a:xfrm>
           <a:prstGeom prst="rect">
             <a:avLst/>
@@ -6334,7 +6314,7 @@
           </a:bodyPr>
           <a:p>
             <a:r>
-              <a:rPr lang="en-GB" altLang="en-US" sz="1400">
+              <a:rPr lang="en-GB" altLang="en-US" sz="1800">
                 <a:solidFill>
                   <a:schemeClr val="bg1">
                     <a:lumMod val="95000"/>
@@ -6343,7 +6323,7 @@
               </a:rPr>
               <a:t>@beemdvp</a:t>
             </a:r>
-            <a:endParaRPr lang="en-GB" altLang="en-US" sz="1400">
+            <a:endParaRPr lang="en-GB" altLang="en-US" sz="1800">
               <a:solidFill>
                 <a:schemeClr val="bg1">
                   <a:lumMod val="95000"/>
@@ -6383,7 +6363,7 @@
         </p:blipFill>
         <p:spPr>
           <a:xfrm>
-            <a:off x="5118100" y="1905635"/>
+            <a:off x="3188970" y="1917065"/>
             <a:ext cx="407670" cy="407670"/>
           </a:xfrm>
           <a:prstGeom prst="rect">
@@ -6407,7 +6387,7 @@
         </p:blipFill>
         <p:spPr>
           <a:xfrm>
-            <a:off x="5118100" y="513080"/>
+            <a:off x="3218180" y="513080"/>
             <a:ext cx="1385570" cy="1385570"/>
           </a:xfrm>
           <a:prstGeom prst="rect">
@@ -6415,6 +6395,77 @@
           </a:prstGeom>
         </p:spPr>
       </p:pic>
+      <p:pic>
+        <p:nvPicPr>
+          <p:cNvPr id="14" name="Picture 13" descr="qrcode"/>
+          <p:cNvPicPr>
+            <a:picLocks noChangeAspect="1"/>
+          </p:cNvPicPr>
+          <p:nvPr/>
+        </p:nvPicPr>
+        <p:blipFill>
+          <a:blip r:embed="rId5"/>
+          <a:stretch>
+            <a:fillRect/>
+          </a:stretch>
+        </p:blipFill>
+        <p:spPr>
+          <a:xfrm>
+            <a:off x="6777355" y="513080"/>
+            <a:ext cx="1385570" cy="1385570"/>
+          </a:xfrm>
+          <a:prstGeom prst="rect">
+            <a:avLst/>
+          </a:prstGeom>
+        </p:spPr>
+      </p:pic>
+      <p:sp>
+        <p:nvSpPr>
+          <p:cNvPr id="15" name="Text Box 14"/>
+          <p:cNvSpPr txBox="1"/>
+          <p:nvPr/>
+        </p:nvSpPr>
+        <p:spPr>
+          <a:xfrm>
+            <a:off x="5701665" y="1956435"/>
+            <a:ext cx="4370705" cy="368300"/>
+          </a:xfrm>
+          <a:prstGeom prst="rect">
+            <a:avLst/>
+          </a:prstGeom>
+          <a:noFill/>
+        </p:spPr>
+        <p:txBody>
+          <a:bodyPr wrap="square" rtlCol="0" anchor="t">
+            <a:spAutoFit/>
+          </a:bodyPr>
+          <a:p>
+            <a:pPr lvl="0" algn="l">
+              <a:buClrTx/>
+              <a:buSzTx/>
+            </a:pPr>
+            <a:r>
+              <a:rPr lang="en-GB" altLang="en-US" sz="1800">
+                <a:solidFill>
+                  <a:schemeClr val="bg1">
+                    <a:lumMod val="95000"/>
+                  </a:schemeClr>
+                </a:solidFill>
+                <a:sym typeface="+mn-ea"/>
+              </a:rPr>
+              <a:t>https://github.com/beemdvp/event-service</a:t>
+            </a:r>
+            <a:endParaRPr lang="en-GB" altLang="en-US" sz="1800">
+              <a:solidFill>
+                <a:schemeClr val="bg1">
+                  <a:lumMod val="95000"/>
+                </a:schemeClr>
+              </a:solidFill>
+              <a:sym typeface="+mn-ea"/>
+            </a:endParaRPr>
+          </a:p>
+        </p:txBody>
+      </p:sp>
     </p:spTree>
   </p:cSld>
   <p:clrMapOvr>
